--- a/figures/ThesisPictures.pptx
+++ b/figures/ThesisPictures.pptx
@@ -212,7 +212,7 @@
             <a:fld id="{E1070099-AE30-4FF8-BC90-4144ED513A37}" type="datetimeFigureOut">
               <a:rPr lang="en-US" smtClean="0"/>
               <a:pPr/>
-              <a:t>2/24/2011</a:t>
+              <a:t>3/1/2011</a:t>
             </a:fld>
             <a:endParaRPr lang="en-CA"/>
           </a:p>
@@ -1992,7 +1992,7 @@
             <a:fld id="{48D92626-37D2-4832-BF7A-BC283494A20D}" type="datetimeFigureOut">
               <a:rPr lang="en-US" smtClean="0"/>
               <a:pPr algn="l" eaLnBrk="1" latinLnBrk="0" hangingPunct="1"/>
-              <a:t>2/24/2011</a:t>
+              <a:t>3/1/2011</a:t>
             </a:fld>
             <a:endParaRPr lang="en-US"/>
           </a:p>
@@ -2718,7 +2718,7 @@
             <a:fld id="{48D92626-37D2-4832-BF7A-BC283494A20D}" type="datetimeFigureOut">
               <a:rPr lang="en-US" smtClean="0"/>
               <a:pPr/>
-              <a:t>2/24/2011</a:t>
+              <a:t>3/1/2011</a:t>
             </a:fld>
             <a:endParaRPr lang="en-US"/>
           </a:p>
@@ -2905,7 +2905,7 @@
             <a:fld id="{48D92626-37D2-4832-BF7A-BC283494A20D}" type="datetimeFigureOut">
               <a:rPr lang="en-US" smtClean="0"/>
               <a:pPr/>
-              <a:t>2/24/2011</a:t>
+              <a:t>3/1/2011</a:t>
             </a:fld>
             <a:endParaRPr lang="en-US"/>
           </a:p>
@@ -3082,7 +3082,7 @@
             <a:fld id="{48D92626-37D2-4832-BF7A-BC283494A20D}" type="datetimeFigureOut">
               <a:rPr lang="en-US" smtClean="0"/>
               <a:pPr/>
-              <a:t>2/24/2011</a:t>
+              <a:t>3/1/2011</a:t>
             </a:fld>
             <a:endParaRPr lang="en-US"/>
           </a:p>
@@ -4568,7 +4568,7 @@
             <a:fld id="{48D92626-37D2-4832-BF7A-BC283494A20D}" type="datetimeFigureOut">
               <a:rPr lang="en-US" smtClean="0"/>
               <a:pPr algn="l" eaLnBrk="1" latinLnBrk="0" hangingPunct="1"/>
-              <a:t>2/24/2011</a:t>
+              <a:t>3/1/2011</a:t>
             </a:fld>
             <a:endParaRPr lang="en-US"/>
           </a:p>
@@ -5177,7 +5177,7 @@
             <a:fld id="{48D92626-37D2-4832-BF7A-BC283494A20D}" type="datetimeFigureOut">
               <a:rPr lang="en-US" smtClean="0"/>
               <a:pPr/>
-              <a:t>2/24/2011</a:t>
+              <a:t>3/1/2011</a:t>
             </a:fld>
             <a:endParaRPr lang="en-US"/>
           </a:p>
@@ -5616,7 +5616,7 @@
             <a:fld id="{48D92626-37D2-4832-BF7A-BC283494A20D}" type="datetimeFigureOut">
               <a:rPr lang="en-US" smtClean="0"/>
               <a:pPr/>
-              <a:t>2/24/2011</a:t>
+              <a:t>3/1/2011</a:t>
             </a:fld>
             <a:endParaRPr lang="en-US"/>
           </a:p>
@@ -6179,7 +6179,7 @@
             <a:fld id="{48D92626-37D2-4832-BF7A-BC283494A20D}" type="datetimeFigureOut">
               <a:rPr lang="en-US" smtClean="0"/>
               <a:pPr/>
-              <a:t>2/24/2011</a:t>
+              <a:t>3/1/2011</a:t>
             </a:fld>
             <a:endParaRPr lang="en-US"/>
           </a:p>
@@ -6277,7 +6277,7 @@
             <a:fld id="{48D92626-37D2-4832-BF7A-BC283494A20D}" type="datetimeFigureOut">
               <a:rPr lang="en-US" smtClean="0"/>
               <a:pPr/>
-              <a:t>2/24/2011</a:t>
+              <a:t>3/1/2011</a:t>
             </a:fld>
             <a:endParaRPr lang="en-US"/>
           </a:p>
@@ -6534,7 +6534,7 @@
             <a:fld id="{48D92626-37D2-4832-BF7A-BC283494A20D}" type="datetimeFigureOut">
               <a:rPr lang="en-US" smtClean="0"/>
               <a:pPr algn="l" eaLnBrk="1" latinLnBrk="0" hangingPunct="1"/>
-              <a:t>2/24/2011</a:t>
+              <a:t>3/1/2011</a:t>
             </a:fld>
             <a:endParaRPr lang="en-US"/>
           </a:p>
@@ -7265,7 +7265,7 @@
             <a:fld id="{48D92626-37D2-4832-BF7A-BC283494A20D}" type="datetimeFigureOut">
               <a:rPr lang="en-US" smtClean="0"/>
               <a:pPr algn="l" eaLnBrk="1" latinLnBrk="0" hangingPunct="1"/>
-              <a:t>2/24/2011</a:t>
+              <a:t>3/1/2011</a:t>
             </a:fld>
             <a:endParaRPr lang="en-US"/>
           </a:p>
@@ -7948,7 +7948,7 @@
             <a:fld id="{48D92626-37D2-4832-BF7A-BC283494A20D}" type="datetimeFigureOut">
               <a:rPr lang="en-US" smtClean="0"/>
               <a:pPr algn="l" eaLnBrk="1" latinLnBrk="0" hangingPunct="1"/>
-              <a:t>2/24/2011</a:t>
+              <a:t>3/1/2011</a:t>
             </a:fld>
             <a:endParaRPr lang="en-US" sz="1300" dirty="0">
               <a:solidFill>
@@ -11671,8 +11671,8 @@
                 <a:tableStyleId>{5C22544A-7EE6-4342-B048-85BDC9FD1C3A}</a:tableStyleId>
               </a:tblPr>
               <a:tblGrid>
-                <a:gridCol w="782839"/>
-                <a:gridCol w="782839"/>
+                <a:gridCol w="785818"/>
+                <a:gridCol w="779860"/>
                 <a:gridCol w="782839"/>
                 <a:gridCol w="782839"/>
                 <a:gridCol w="782839"/>
